--- a/lab/00_ecvl_eddl_environment/EDDL_Intro.pptx
+++ b/lab/00_ecvl_eddl_environment/EDDL_Intro.pptx
@@ -51,20 +51,20 @@
       <p:boldItalic r:id="rId31"/>
     </p:embeddedFont>
     <p:embeddedFont>
-      <p:font typeface="Raleway Black" pitchFamily="2" charset="77"/>
+      <p:font typeface="Raleway Black" panose="020F0502020204030204" pitchFamily="34" charset="0"/>
       <p:bold r:id="rId32"/>
       <p:italic r:id="rId33"/>
       <p:boldItalic r:id="rId34"/>
     </p:embeddedFont>
     <p:embeddedFont>
-      <p:font typeface="Raleway Light" pitchFamily="2" charset="77"/>
+      <p:font typeface="Raleway Light" panose="020F0302020204030204" pitchFamily="34" charset="0"/>
       <p:regular r:id="rId35"/>
       <p:bold r:id="rId36"/>
       <p:italic r:id="rId37"/>
       <p:boldItalic r:id="rId38"/>
     </p:embeddedFont>
     <p:embeddedFont>
-      <p:font typeface="Raleway Medium" pitchFamily="2" charset="77"/>
+      <p:font typeface="Raleway Medium" panose="020F0502020204030204" pitchFamily="34" charset="0"/>
       <p:regular r:id="rId39"/>
       <p:bold r:id="rId40"/>
       <p:italic r:id="rId41"/>
@@ -2024,7 +2024,31 @@
               </a:spcAft>
               <a:buNone/>
             </a:pPr>
-            <a:endParaRPr/>
+            <a:r>
+              <a:rPr lang="es-ES" dirty="0" err="1"/>
+              <a:t>Overview</a:t>
+            </a:r>
+            <a:r>
+              <a:rPr lang="es-ES" dirty="0"/>
+              <a:t>. </a:t>
+            </a:r>
+            <a:r>
+              <a:rPr lang="es-ES" dirty="0" err="1"/>
+              <a:t>Lab</a:t>
+            </a:r>
+            <a:r>
+              <a:rPr lang="es-ES" dirty="0"/>
+              <a:t> </a:t>
+            </a:r>
+            <a:r>
+              <a:rPr lang="es-ES" dirty="0" err="1"/>
+              <a:t>later</a:t>
+            </a:r>
+            <a:r>
+              <a:rPr lang="es-ES" dirty="0"/>
+              <a:t>.</a:t>
+            </a:r>
+            <a:endParaRPr dirty="0"/>
           </a:p>
         </p:txBody>
       </p:sp>
@@ -3217,7 +3241,59 @@
               </a:spcAft>
               <a:buNone/>
             </a:pPr>
-            <a:endParaRPr/>
+            <a:r>
+              <a:rPr lang="es-ES" dirty="0"/>
+              <a:t>CUDA </a:t>
+            </a:r>
+            <a:r>
+              <a:rPr lang="es-ES" dirty="0" err="1"/>
+              <a:t>support</a:t>
+            </a:r>
+            <a:r>
+              <a:rPr lang="es-ES" dirty="0"/>
+              <a:t> </a:t>
+            </a:r>
+            <a:r>
+              <a:rPr lang="es-ES" dirty="0" err="1"/>
+              <a:t>for</a:t>
+            </a:r>
+            <a:r>
+              <a:rPr lang="es-ES" dirty="0"/>
+              <a:t> data </a:t>
+            </a:r>
+            <a:r>
+              <a:rPr lang="es-ES" dirty="0" err="1"/>
+              <a:t>augmentation</a:t>
+            </a:r>
+            <a:r>
+              <a:rPr lang="es-ES" dirty="0"/>
+              <a:t> in </a:t>
+            </a:r>
+            <a:r>
+              <a:rPr lang="es-ES" dirty="0" err="1"/>
+              <a:t>the</a:t>
+            </a:r>
+            <a:r>
+              <a:rPr lang="es-ES" dirty="0"/>
+              <a:t> EDDL, </a:t>
+            </a:r>
+            <a:r>
+              <a:rPr lang="es-ES" dirty="0" err="1"/>
+              <a:t>complementary</a:t>
+            </a:r>
+            <a:r>
+              <a:rPr lang="es-ES" dirty="0"/>
+              <a:t> </a:t>
+            </a:r>
+            <a:r>
+              <a:rPr lang="es-ES" dirty="0" err="1"/>
+              <a:t>with</a:t>
+            </a:r>
+            <a:r>
+              <a:rPr lang="es-ES" dirty="0"/>
+              <a:t> ECVL</a:t>
+            </a:r>
+            <a:endParaRPr dirty="0"/>
           </a:p>
         </p:txBody>
       </p:sp>
@@ -31881,10 +31957,14 @@
               <a:buNone/>
             </a:pPr>
             <a:r>
-              <a:rPr lang="en-US" dirty="0"/>
+              <a:rPr lang="en-US" dirty="0">
+                <a:latin typeface="Raleway" pitchFamily="2" charset="77"/>
+              </a:rPr>
               <a:t>Lab 0: ECVL + EDDL environment</a:t>
             </a:r>
-            <a:endParaRPr dirty="0"/>
+            <a:endParaRPr dirty="0">
+              <a:latin typeface="Raleway" pitchFamily="2" charset="77"/>
+            </a:endParaRPr>
           </a:p>
         </p:txBody>
       </p:sp>
@@ -32502,7 +32582,7 @@
         <p:spPr>
           <a:xfrm>
             <a:off x="933449" y="1767450"/>
-            <a:ext cx="6715705" cy="2864700"/>
+            <a:ext cx="6971031" cy="2864700"/>
           </a:xfrm>
           <a:prstGeom prst="rect">
             <a:avLst/>
@@ -32564,7 +32644,7 @@
             </a:r>
             <a:r>
               <a:rPr lang="en-US" sz="1400" dirty="0"/>
-              <a:t>/</a:t>
+              <a:t> native/</a:t>
             </a:r>
             <a:r>
               <a:rPr lang="en-US" sz="1400" dirty="0" err="1"/>
@@ -32649,8 +32729,60 @@
             </a:r>
             <a:r>
               <a:rPr lang="en-US" sz="1200" dirty="0"/>
-              <a:t>, brew and pip</a:t>
+              <a:t>*, brew and pip</a:t>
             </a:r>
+          </a:p>
+          <a:p>
+            <a:pPr marL="228600" indent="-222250">
+              <a:lnSpc>
+                <a:spcPct val="150000"/>
+              </a:lnSpc>
+              <a:spcBef>
+                <a:spcPts val="0"/>
+              </a:spcBef>
+              <a:buSzPts val="1900"/>
+            </a:pPr>
+            <a:endParaRPr lang="en-US" sz="1400" b="1" dirty="0"/>
+          </a:p>
+          <a:p>
+            <a:pPr marL="228600" indent="-222250">
+              <a:lnSpc>
+                <a:spcPct val="150000"/>
+              </a:lnSpc>
+              <a:spcBef>
+                <a:spcPts val="0"/>
+              </a:spcBef>
+              <a:buSzPts val="1900"/>
+            </a:pPr>
+            <a:endParaRPr lang="en-US" sz="1400" b="1" dirty="0"/>
+          </a:p>
+          <a:p>
+            <a:pPr marL="6350" indent="0">
+              <a:lnSpc>
+                <a:spcPct val="150000"/>
+              </a:lnSpc>
+              <a:spcBef>
+                <a:spcPts val="0"/>
+              </a:spcBef>
+              <a:buSzPts val="1900"/>
+              <a:buNone/>
+            </a:pPr>
+            <a:r>
+              <a:rPr lang="en-US" sz="1400" i="1" dirty="0"/>
+              <a:t>*It will be seen in detail in the next lab session</a:t>
+            </a:r>
+          </a:p>
+          <a:p>
+            <a:pPr marL="228600" indent="-222250">
+              <a:lnSpc>
+                <a:spcPct val="150000"/>
+              </a:lnSpc>
+              <a:spcBef>
+                <a:spcPts val="0"/>
+              </a:spcBef>
+              <a:buSzPts val="1900"/>
+            </a:pPr>
+            <a:endParaRPr lang="en-US" sz="1400" dirty="0"/>
           </a:p>
           <a:p>
             <a:pPr marL="228600" lvl="0" indent="-222250">
@@ -33208,10 +33340,10 @@
               <a:buNone/>
             </a:pPr>
             <a:r>
-              <a:rPr lang="en-US"/>
+              <a:rPr lang="en-US" dirty="0"/>
               <a:t>Resources</a:t>
             </a:r>
-            <a:endParaRPr>
+            <a:endParaRPr dirty="0">
               <a:latin typeface="Raleway"/>
               <a:ea typeface="Raleway"/>
               <a:cs typeface="Raleway"/>
@@ -33338,6 +33470,7 @@
                 <a:solidFill>
                   <a:srgbClr val="145074"/>
                 </a:solidFill>
+                <a:latin typeface="Raleway" pitchFamily="2" charset="77"/>
               </a:rPr>
               <a:t>EDDL documentation</a:t>
             </a:r>
@@ -33345,6 +33478,7 @@
               <a:solidFill>
                 <a:srgbClr val="145074"/>
               </a:solidFill>
+              <a:latin typeface="Raleway" pitchFamily="2" charset="77"/>
             </a:endParaRPr>
           </a:p>
         </p:txBody>
@@ -33380,6 +33514,7 @@
                 <a:solidFill>
                   <a:srgbClr val="2AAACB"/>
                 </a:solidFill>
+                <a:latin typeface="Raleway" pitchFamily="2" charset="77"/>
               </a:rPr>
               <a:t>https://</a:t>
             </a:r>
@@ -33388,6 +33523,7 @@
                 <a:solidFill>
                   <a:srgbClr val="2AAACB"/>
                 </a:solidFill>
+                <a:latin typeface="Raleway" pitchFamily="2" charset="77"/>
               </a:rPr>
               <a:t>deephealthproject.github.io</a:t>
             </a:r>
@@ -33396,6 +33532,7 @@
                 <a:solidFill>
                   <a:srgbClr val="2AAACB"/>
                 </a:solidFill>
+                <a:latin typeface="Raleway" pitchFamily="2" charset="77"/>
               </a:rPr>
               <a:t>/</a:t>
             </a:r>
@@ -33404,6 +33541,7 @@
                 <a:solidFill>
                   <a:srgbClr val="2AAACB"/>
                 </a:solidFill>
+                <a:latin typeface="Raleway" pitchFamily="2" charset="77"/>
               </a:rPr>
               <a:t>eddl</a:t>
             </a:r>
@@ -33412,6 +33550,7 @@
                 <a:solidFill>
                   <a:srgbClr val="2AAACB"/>
                 </a:solidFill>
+                <a:latin typeface="Raleway" pitchFamily="2" charset="77"/>
               </a:rPr>
               <a:t>/</a:t>
             </a:r>
@@ -33420,6 +33559,7 @@
                 <a:solidFill>
                   <a:srgbClr val="2AAACB"/>
                 </a:solidFill>
+                <a:latin typeface="Raleway" pitchFamily="2" charset="77"/>
               </a:rPr>
               <a:t>index.html</a:t>
             </a:r>
@@ -33427,6 +33567,7 @@
               <a:solidFill>
                 <a:srgbClr val="2AAACB"/>
               </a:solidFill>
+              <a:latin typeface="Raleway" pitchFamily="2" charset="77"/>
             </a:endParaRPr>
           </a:p>
         </p:txBody>
@@ -33496,6 +33637,7 @@
                 <a:solidFill>
                   <a:srgbClr val="2797B9"/>
                 </a:solidFill>
+                <a:latin typeface="Raleway" pitchFamily="2" charset="77"/>
               </a:rPr>
               <a:t>GitHub</a:t>
             </a:r>
@@ -33503,6 +33645,7 @@
               <a:solidFill>
                 <a:srgbClr val="2797B9"/>
               </a:solidFill>
+              <a:latin typeface="Raleway" pitchFamily="2" charset="77"/>
             </a:endParaRPr>
           </a:p>
         </p:txBody>
@@ -33538,6 +33681,7 @@
                 <a:solidFill>
                   <a:srgbClr val="2AAACB"/>
                 </a:solidFill>
+                <a:latin typeface="Raleway" pitchFamily="2" charset="77"/>
               </a:rPr>
               <a:t>https://</a:t>
             </a:r>
@@ -33546,6 +33690,7 @@
                 <a:solidFill>
                   <a:srgbClr val="2AAACB"/>
                 </a:solidFill>
+                <a:latin typeface="Raleway" pitchFamily="2" charset="77"/>
               </a:rPr>
               <a:t>github.com</a:t>
             </a:r>
@@ -33554,6 +33699,7 @@
                 <a:solidFill>
                   <a:srgbClr val="2AAACB"/>
                 </a:solidFill>
+                <a:latin typeface="Raleway" pitchFamily="2" charset="77"/>
               </a:rPr>
               <a:t>/</a:t>
             </a:r>
@@ -33562,6 +33708,7 @@
                 <a:solidFill>
                   <a:srgbClr val="2AAACB"/>
                 </a:solidFill>
+                <a:latin typeface="Raleway" pitchFamily="2" charset="77"/>
               </a:rPr>
               <a:t>deephealthproject</a:t>
             </a:r>
@@ -33570,6 +33717,7 @@
                 <a:solidFill>
                   <a:srgbClr val="2AAACB"/>
                 </a:solidFill>
+                <a:latin typeface="Raleway" pitchFamily="2" charset="77"/>
               </a:rPr>
               <a:t>/</a:t>
             </a:r>
@@ -33578,6 +33726,7 @@
                 <a:solidFill>
                   <a:srgbClr val="2AAACB"/>
                 </a:solidFill>
+                <a:latin typeface="Raleway" pitchFamily="2" charset="77"/>
               </a:rPr>
               <a:t>eddl</a:t>
             </a:r>
@@ -33585,6 +33734,7 @@
               <a:solidFill>
                 <a:srgbClr val="2AAACB"/>
               </a:solidFill>
+              <a:latin typeface="Raleway" pitchFamily="2" charset="77"/>
             </a:endParaRPr>
           </a:p>
         </p:txBody>
@@ -33654,6 +33804,7 @@
                 <a:solidFill>
                   <a:srgbClr val="55C1DB"/>
                 </a:solidFill>
+                <a:latin typeface="Raleway" pitchFamily="2" charset="77"/>
               </a:rPr>
               <a:t>Progress</a:t>
             </a:r>
@@ -33661,6 +33812,7 @@
               <a:solidFill>
                 <a:srgbClr val="55C1DB"/>
               </a:solidFill>
+              <a:latin typeface="Raleway" pitchFamily="2" charset="77"/>
             </a:endParaRPr>
           </a:p>
         </p:txBody>
@@ -33696,6 +33848,7 @@
                 <a:solidFill>
                   <a:srgbClr val="2AAACB"/>
                 </a:solidFill>
+                <a:latin typeface="Raleway" pitchFamily="2" charset="77"/>
               </a:rPr>
               <a:t>https://</a:t>
             </a:r>
@@ -33704,6 +33857,7 @@
                 <a:solidFill>
                   <a:srgbClr val="2AAACB"/>
                 </a:solidFill>
+                <a:latin typeface="Raleway" pitchFamily="2" charset="77"/>
               </a:rPr>
               <a:t>github.com</a:t>
             </a:r>
@@ -33712,6 +33866,7 @@
                 <a:solidFill>
                   <a:srgbClr val="2AAACB"/>
                 </a:solidFill>
+                <a:latin typeface="Raleway" pitchFamily="2" charset="77"/>
               </a:rPr>
               <a:t>/</a:t>
             </a:r>
@@ -33720,6 +33875,7 @@
                 <a:solidFill>
                   <a:srgbClr val="2AAACB"/>
                 </a:solidFill>
+                <a:latin typeface="Raleway" pitchFamily="2" charset="77"/>
               </a:rPr>
               <a:t>deephealthproject</a:t>
             </a:r>
@@ -33728,6 +33884,7 @@
                 <a:solidFill>
                   <a:srgbClr val="2AAACB"/>
                 </a:solidFill>
+                <a:latin typeface="Raleway" pitchFamily="2" charset="77"/>
               </a:rPr>
               <a:t>/</a:t>
             </a:r>
@@ -33736,6 +33893,7 @@
                 <a:solidFill>
                   <a:srgbClr val="2AAACB"/>
                 </a:solidFill>
+                <a:latin typeface="Raleway" pitchFamily="2" charset="77"/>
               </a:rPr>
               <a:t>eddl</a:t>
             </a:r>
@@ -33744,6 +33902,7 @@
                 <a:solidFill>
                   <a:srgbClr val="2AAACB"/>
                 </a:solidFill>
+                <a:latin typeface="Raleway" pitchFamily="2" charset="77"/>
               </a:rPr>
               <a:t>/blob/master/docs/markdown/</a:t>
             </a:r>
@@ -33752,6 +33911,7 @@
                 <a:solidFill>
                   <a:srgbClr val="2AAACB"/>
                 </a:solidFill>
+                <a:latin typeface="Raleway" pitchFamily="2" charset="77"/>
               </a:rPr>
               <a:t>eddl_progress.md</a:t>
             </a:r>
@@ -33759,6 +33919,7 @@
               <a:solidFill>
                 <a:srgbClr val="2AAACB"/>
               </a:solidFill>
+              <a:latin typeface="Raleway" pitchFamily="2" charset="77"/>
             </a:endParaRPr>
           </a:p>
         </p:txBody>
@@ -33913,10 +34074,14 @@
               <a:buNone/>
             </a:pPr>
             <a:r>
-              <a:rPr lang="en-US" sz="3600"/>
+              <a:rPr lang="en-US" sz="3600" dirty="0">
+                <a:latin typeface="Raleway" pitchFamily="2" charset="77"/>
+              </a:rPr>
               <a:t>Thank you!</a:t>
             </a:r>
-            <a:endParaRPr/>
+            <a:endParaRPr dirty="0">
+              <a:latin typeface="Raleway" pitchFamily="2" charset="77"/>
+            </a:endParaRPr>
           </a:p>
         </p:txBody>
       </p:sp>
@@ -35754,7 +35919,7 @@
             </a:pPr>
             <a:r>
               <a:rPr lang="en-US" sz="1400" b="1" dirty="0"/>
-              <a:t>Data transformation &amp; Augmentation: </a:t>
+              <a:t>Data transformation &amp; Augmentation*: </a:t>
             </a:r>
             <a:r>
               <a:rPr lang="en-US" sz="1400" dirty="0"/>
